--- a/SARS-CoV-2.pptx
+++ b/SARS-CoV-2.pptx
@@ -119,9 +119,9 @@
         <p14:section name="new" id="{b8c57290-8e1d-44cc-a953-2be52fa1f9db}">
           <p14:sldIdLst>
             <p14:sldId id="865"/>
-            <p14:sldId id="864"/>
             <p14:sldId id="862"/>
             <p14:sldId id="863"/>
+            <p14:sldId id="864"/>
           </p14:sldIdLst>
         </p14:section>
       </p14:sectionLst>
@@ -17951,7 +17951,7 @@
       </p:sp>
       <p:pic>
         <p:nvPicPr>
-          <p:cNvPr id="6" name="內容版面配置區 5"/>
+          <p:cNvPr id="8" name="內容版面配置區 7"/>
           <p:cNvPicPr>
             <a:picLocks noChangeAspect="true"/>
           </p:cNvPicPr>
@@ -17968,7 +17968,7 @@
         <p:spPr>
           <a:xfrm>
             <a:off x="609600" y="1417955"/>
-            <a:ext cx="5375910" cy="3697605"/>
+            <a:ext cx="5054600" cy="3757930"/>
           </a:xfrm>
           <a:prstGeom prst="rect">
             <a:avLst/>

--- a/SARS-CoV-2.pptx
+++ b/SARS-CoV-2.pptx
@@ -5,16 +5,18 @@
     <p:sldMasterId id="2147483648" r:id="rId1"/>
   </p:sldMasterIdLst>
   <p:notesMasterIdLst>
-    <p:notesMasterId r:id="rId7"/>
+    <p:notesMasterId r:id="rId9"/>
   </p:notesMasterIdLst>
   <p:handoutMasterIdLst>
-    <p:handoutMasterId r:id="rId8"/>
+    <p:handoutMasterId r:id="rId10"/>
   </p:handoutMasterIdLst>
   <p:sldIdLst>
     <p:sldId id="864" r:id="rId3"/>
     <p:sldId id="862" r:id="rId4"/>
-    <p:sldId id="865" r:id="rId5"/>
-    <p:sldId id="863" r:id="rId6"/>
+    <p:sldId id="869" r:id="rId5"/>
+    <p:sldId id="868" r:id="rId6"/>
+    <p:sldId id="865" r:id="rId7"/>
+    <p:sldId id="863" r:id="rId8"/>
   </p:sldIdLst>
   <p:sldSz cx="12192000" cy="6858000"/>
   <p:notesSz cx="7103745" cy="10234295"/>
@@ -118,10 +120,12 @@
       <p14:sectionLst xmlns:p14="http://schemas.microsoft.com/office/powerpoint/2010/main">
         <p14:section name="new" id="{b8c57290-8e1d-44cc-a953-2be52fa1f9db}">
           <p14:sldIdLst>
+            <p14:sldId id="864"/>
+            <p14:sldId id="862"/>
             <p14:sldId id="865"/>
-            <p14:sldId id="862"/>
             <p14:sldId id="863"/>
-            <p14:sldId id="864"/>
+            <p14:sldId id="868"/>
+            <p14:sldId id="869"/>
           </p14:sldIdLst>
         </p14:section>
       </p14:sectionLst>
@@ -17772,10 +17776,10 @@
           <a:bodyPr/>
           <a:p>
             <a:r>
-              <a:rPr lang="" altLang="zh-TW"/>
+              <a:rPr lang="en-US" altLang="zh-TW"/>
               <a:t>MLP Model</a:t>
             </a:r>
-            <a:endParaRPr lang="" altLang="zh-TW"/>
+            <a:endParaRPr lang="en-US" altLang="zh-TW"/>
           </a:p>
         </p:txBody>
       </p:sp>
@@ -17838,10 +17842,10 @@
           <a:bodyPr/>
           <a:p>
             <a:r>
-              <a:rPr lang="" altLang="zh-TW"/>
+              <a:rPr lang="en-US" altLang="zh-TW"/>
               <a:t>MLP SARS CoV2 - class nums sum &gt;100</a:t>
             </a:r>
-            <a:endParaRPr lang="" altLang="zh-TW"/>
+            <a:endParaRPr lang="en-US" altLang="zh-TW"/>
           </a:p>
         </p:txBody>
       </p:sp>
@@ -17877,7 +17881,7 @@
         </p:blipFill>
         <p:spPr>
           <a:xfrm>
-            <a:off x="609600" y="1600200"/>
+            <a:off x="609600" y="1417955"/>
             <a:ext cx="4914900" cy="4914900"/>
           </a:xfrm>
           <a:prstGeom prst="rect">
@@ -17901,7 +17905,7 @@
         </p:blipFill>
         <p:spPr>
           <a:xfrm>
-            <a:off x="6668135" y="1600200"/>
+            <a:off x="6668135" y="1418590"/>
             <a:ext cx="4914000" cy="4914000"/>
           </a:xfrm>
           <a:prstGeom prst="rect">
@@ -17942,22 +17946,48 @@
           <a:bodyPr/>
           <a:p>
             <a:r>
-              <a:rPr lang="" altLang="zh-TW"/>
-              <a:t>LSTM Model</a:t>
+              <a:rPr lang="en-US" altLang="zh-TW">
+                <a:sym typeface="+mn-ea"/>
+              </a:rPr>
+              <a:t>MLP SARS CoV2 - class nums sum &gt;</a:t>
             </a:r>
-            <a:endParaRPr lang="" altLang="zh-TW"/>
+            <a:r>
+              <a:rPr lang="" altLang="en-US">
+                <a:sym typeface="+mn-ea"/>
+              </a:rPr>
+              <a:t>50</a:t>
+            </a:r>
+            <a:endParaRPr lang="" altLang="en-US">
+              <a:sym typeface="+mn-ea"/>
+            </a:endParaRPr>
+          </a:p>
+        </p:txBody>
+      </p:sp>
+      <p:sp>
+        <p:nvSpPr>
+          <p:cNvPr id="3" name="內容版面配置區 2"/>
+          <p:cNvSpPr>
+            <a:spLocks noGrp="true"/>
+          </p:cNvSpPr>
+          <p:nvPr>
+            <p:ph idx="1"/>
+          </p:nvPr>
+        </p:nvSpPr>
+        <p:spPr/>
+        <p:txBody>
+          <a:bodyPr/>
+          <a:p>
+            <a:endParaRPr lang="zh-TW" altLang="en-US"/>
           </a:p>
         </p:txBody>
       </p:sp>
       <p:pic>
         <p:nvPicPr>
-          <p:cNvPr id="8" name="內容版面配置區 7"/>
+          <p:cNvPr id="4" name="圖片 3" descr="50_CM"/>
           <p:cNvPicPr>
             <a:picLocks noChangeAspect="true"/>
           </p:cNvPicPr>
-          <p:nvPr>
-            <p:ph idx="1"/>
-          </p:nvPr>
+          <p:nvPr/>
         </p:nvPicPr>
         <p:blipFill>
           <a:blip r:embed="rId1"/>
@@ -17968,7 +17998,31 @@
         <p:spPr>
           <a:xfrm>
             <a:off x="609600" y="1417955"/>
-            <a:ext cx="5054600" cy="3757930"/>
+            <a:ext cx="4914000" cy="4914000"/>
+          </a:xfrm>
+          <a:prstGeom prst="rect">
+            <a:avLst/>
+          </a:prstGeom>
+        </p:spPr>
+      </p:pic>
+      <p:pic>
+        <p:nvPicPr>
+          <p:cNvPr id="5" name="圖片 4" descr="50_loss_MLP"/>
+          <p:cNvPicPr>
+            <a:picLocks noChangeAspect="true"/>
+          </p:cNvPicPr>
+          <p:nvPr/>
+        </p:nvPicPr>
+        <p:blipFill>
+          <a:blip r:embed="rId2"/>
+          <a:stretch>
+            <a:fillRect/>
+          </a:stretch>
+        </p:blipFill>
+        <p:spPr>
+          <a:xfrm>
+            <a:off x="6668135" y="1417955"/>
+            <a:ext cx="4914000" cy="4914000"/>
           </a:xfrm>
           <a:prstGeom prst="rect">
             <a:avLst/>
@@ -18008,7 +18062,181 @@
           <a:bodyPr/>
           <a:p>
             <a:r>
-              <a:rPr lang="" altLang="en-US">
+              <a:rPr lang="en-US" altLang="zh-TW">
+                <a:sym typeface="+mn-ea"/>
+              </a:rPr>
+              <a:t>MLP SARS CoV2 - class nums sum &gt;10</a:t>
+            </a:r>
+            <a:endParaRPr lang="zh-TW" altLang="en-US"/>
+          </a:p>
+        </p:txBody>
+      </p:sp>
+      <p:sp>
+        <p:nvSpPr>
+          <p:cNvPr id="3" name="內容版面配置區 2"/>
+          <p:cNvSpPr>
+            <a:spLocks noGrp="true"/>
+          </p:cNvSpPr>
+          <p:nvPr>
+            <p:ph idx="1"/>
+          </p:nvPr>
+        </p:nvSpPr>
+        <p:spPr/>
+        <p:txBody>
+          <a:bodyPr/>
+          <a:p>
+            <a:endParaRPr lang="zh-TW" altLang="en-US"/>
+          </a:p>
+        </p:txBody>
+      </p:sp>
+      <p:pic>
+        <p:nvPicPr>
+          <p:cNvPr id="4" name="圖片 3" descr="10_CM"/>
+          <p:cNvPicPr>
+            <a:picLocks noChangeAspect="true"/>
+          </p:cNvPicPr>
+          <p:nvPr/>
+        </p:nvPicPr>
+        <p:blipFill>
+          <a:blip r:embed="rId1"/>
+          <a:stretch>
+            <a:fillRect/>
+          </a:stretch>
+        </p:blipFill>
+        <p:spPr>
+          <a:xfrm>
+            <a:off x="609600" y="1417955"/>
+            <a:ext cx="5400000" cy="5400000"/>
+          </a:xfrm>
+          <a:prstGeom prst="rect">
+            <a:avLst/>
+          </a:prstGeom>
+        </p:spPr>
+      </p:pic>
+      <p:pic>
+        <p:nvPicPr>
+          <p:cNvPr id="5" name="圖片 4" descr="100_loss_MLP"/>
+          <p:cNvPicPr>
+            <a:picLocks noChangeAspect="true"/>
+          </p:cNvPicPr>
+          <p:nvPr/>
+        </p:nvPicPr>
+        <p:blipFill>
+          <a:blip r:embed="rId2"/>
+          <a:stretch>
+            <a:fillRect/>
+          </a:stretch>
+        </p:blipFill>
+        <p:spPr>
+          <a:xfrm>
+            <a:off x="6182360" y="1417955"/>
+            <a:ext cx="5400000" cy="5400000"/>
+          </a:xfrm>
+          <a:prstGeom prst="rect">
+            <a:avLst/>
+          </a:prstGeom>
+        </p:spPr>
+      </p:pic>
+    </p:spTree>
+  </p:cSld>
+  <p:clrMapOvr>
+    <a:masterClrMapping/>
+  </p:clrMapOvr>
+</p:sld>
+</file>
+
+<file path=ppt/slides/slide5.xml><?xml version="1.0" encoding="utf-8"?>
+<p:sld xmlns:a="http://schemas.openxmlformats.org/drawingml/2006/main" xmlns:r="http://schemas.openxmlformats.org/officeDocument/2006/relationships" xmlns:p="http://schemas.openxmlformats.org/presentationml/2006/main">
+  <p:cSld>
+    <p:spTree>
+      <p:nvGrpSpPr>
+        <p:cNvPr id="1" name=""/>
+        <p:cNvGrpSpPr/>
+        <p:nvPr/>
+      </p:nvGrpSpPr>
+      <p:grpSpPr/>
+      <p:sp>
+        <p:nvSpPr>
+          <p:cNvPr id="2" name="標題 1"/>
+          <p:cNvSpPr>
+            <a:spLocks noGrp="true"/>
+          </p:cNvSpPr>
+          <p:nvPr>
+            <p:ph type="title"/>
+          </p:nvPr>
+        </p:nvSpPr>
+        <p:spPr/>
+        <p:txBody>
+          <a:bodyPr/>
+          <a:p>
+            <a:r>
+              <a:rPr lang="en-US" altLang="zh-TW"/>
+              <a:t>LSTM Model</a:t>
+            </a:r>
+            <a:endParaRPr lang="en-US" altLang="zh-TW"/>
+          </a:p>
+        </p:txBody>
+      </p:sp>
+      <p:pic>
+        <p:nvPicPr>
+          <p:cNvPr id="8" name="內容版面配置區 7"/>
+          <p:cNvPicPr>
+            <a:picLocks noChangeAspect="true"/>
+          </p:cNvPicPr>
+          <p:nvPr>
+            <p:ph idx="1"/>
+          </p:nvPr>
+        </p:nvPicPr>
+        <p:blipFill>
+          <a:blip r:embed="rId1"/>
+          <a:stretch>
+            <a:fillRect/>
+          </a:stretch>
+        </p:blipFill>
+        <p:spPr>
+          <a:xfrm>
+            <a:off x="609600" y="1417955"/>
+            <a:ext cx="5054600" cy="3757930"/>
+          </a:xfrm>
+          <a:prstGeom prst="rect">
+            <a:avLst/>
+          </a:prstGeom>
+        </p:spPr>
+      </p:pic>
+    </p:spTree>
+  </p:cSld>
+  <p:clrMapOvr>
+    <a:masterClrMapping/>
+  </p:clrMapOvr>
+</p:sld>
+</file>
+
+<file path=ppt/slides/slide6.xml><?xml version="1.0" encoding="utf-8"?>
+<p:sld xmlns:a="http://schemas.openxmlformats.org/drawingml/2006/main" xmlns:r="http://schemas.openxmlformats.org/officeDocument/2006/relationships" xmlns:p="http://schemas.openxmlformats.org/presentationml/2006/main">
+  <p:cSld>
+    <p:spTree>
+      <p:nvGrpSpPr>
+        <p:cNvPr id="1" name=""/>
+        <p:cNvGrpSpPr/>
+        <p:nvPr/>
+      </p:nvGrpSpPr>
+      <p:grpSpPr/>
+      <p:sp>
+        <p:nvSpPr>
+          <p:cNvPr id="2" name="標題 1"/>
+          <p:cNvSpPr>
+            <a:spLocks noGrp="true"/>
+          </p:cNvSpPr>
+          <p:nvPr>
+            <p:ph type="title"/>
+          </p:nvPr>
+        </p:nvSpPr>
+        <p:spPr/>
+        <p:txBody>
+          <a:bodyPr/>
+          <a:p>
+            <a:r>
+              <a:rPr lang="en-US" altLang="en-US">
                 <a:sym typeface="+mn-ea"/>
               </a:rPr>
               <a:t>LSTM</a:t>

--- a/SARS-CoV-2.pptx
+++ b/SARS-CoV-2.pptx
@@ -5,10 +5,10 @@
     <p:sldMasterId id="2147483648" r:id="rId1"/>
   </p:sldMasterIdLst>
   <p:notesMasterIdLst>
-    <p:notesMasterId r:id="rId9"/>
+    <p:notesMasterId r:id="rId10"/>
   </p:notesMasterIdLst>
   <p:handoutMasterIdLst>
-    <p:handoutMasterId r:id="rId10"/>
+    <p:handoutMasterId r:id="rId11"/>
   </p:handoutMasterIdLst>
   <p:sldIdLst>
     <p:sldId id="864" r:id="rId3"/>
@@ -17,6 +17,7 @@
     <p:sldId id="868" r:id="rId6"/>
     <p:sldId id="865" r:id="rId7"/>
     <p:sldId id="863" r:id="rId8"/>
+    <p:sldId id="873" r:id="rId9"/>
   </p:sldIdLst>
   <p:sldSz cx="12192000" cy="6858000"/>
   <p:notesSz cx="7103745" cy="10234295"/>
@@ -122,10 +123,11 @@
           <p14:sldIdLst>
             <p14:sldId id="864"/>
             <p14:sldId id="862"/>
+            <p14:sldId id="869"/>
+            <p14:sldId id="868"/>
             <p14:sldId id="865"/>
             <p14:sldId id="863"/>
-            <p14:sldId id="868"/>
-            <p14:sldId id="869"/>
+            <p14:sldId id="873"/>
           </p14:sldIdLst>
         </p14:section>
       </p14:sectionLst>
@@ -17952,12 +17954,12 @@
               <a:t>MLP SARS CoV2 - class nums sum &gt;</a:t>
             </a:r>
             <a:r>
-              <a:rPr lang="" altLang="en-US">
+              <a:rPr lang="en-US" altLang="en-US">
                 <a:sym typeface="+mn-ea"/>
               </a:rPr>
               <a:t>50</a:t>
             </a:r>
-            <a:endParaRPr lang="" altLang="en-US">
+            <a:endParaRPr lang="en-US" altLang="en-US">
               <a:sym typeface="+mn-ea"/>
             </a:endParaRPr>
           </a:p>
@@ -18299,6 +18301,753 @@
           </a:prstGeom>
         </p:spPr>
       </p:pic>
+    </p:spTree>
+  </p:cSld>
+  <p:clrMapOvr>
+    <a:masterClrMapping/>
+  </p:clrMapOvr>
+</p:sld>
+</file>
+
+<file path=ppt/slides/slide7.xml><?xml version="1.0" encoding="utf-8"?>
+<p:sld xmlns:a="http://schemas.openxmlformats.org/drawingml/2006/main" xmlns:r="http://schemas.openxmlformats.org/officeDocument/2006/relationships" xmlns:p="http://schemas.openxmlformats.org/presentationml/2006/main">
+  <p:cSld>
+    <p:spTree>
+      <p:nvGrpSpPr>
+        <p:cNvPr id="1" name=""/>
+        <p:cNvGrpSpPr/>
+        <p:nvPr/>
+      </p:nvGrpSpPr>
+      <p:grpSpPr/>
+      <p:sp>
+        <p:nvSpPr>
+          <p:cNvPr id="2" name="標題 1"/>
+          <p:cNvSpPr>
+            <a:spLocks noGrp="true"/>
+          </p:cNvSpPr>
+          <p:nvPr>
+            <p:ph type="title"/>
+          </p:nvPr>
+        </p:nvSpPr>
+        <p:spPr/>
+        <p:txBody>
+          <a:bodyPr/>
+          <a:p>
+            <a:endParaRPr lang="zh-TW" altLang="en-US"/>
+          </a:p>
+        </p:txBody>
+      </p:sp>
+      <p:sp>
+        <p:nvSpPr>
+          <p:cNvPr id="3" name="內容版面配置區 2"/>
+          <p:cNvSpPr>
+            <a:spLocks noGrp="true"/>
+          </p:cNvSpPr>
+          <p:nvPr>
+            <p:ph idx="1"/>
+          </p:nvPr>
+        </p:nvSpPr>
+        <p:spPr>
+          <a:xfrm>
+            <a:off x="609600" y="1600200"/>
+            <a:ext cx="10972800" cy="4525963"/>
+          </a:xfrm>
+        </p:spPr>
+        <p:txBody>
+          <a:bodyPr/>
+          <a:p>
+            <a:endParaRPr lang="zh-TW" altLang="en-US"/>
+          </a:p>
+        </p:txBody>
+      </p:sp>
+      <p:graphicFrame>
+        <p:nvGraphicFramePr>
+          <p:cNvPr id="4" name="圓桌 3"/>
+          <p:cNvGraphicFramePr/>
+          <p:nvPr/>
+        </p:nvGraphicFramePr>
+        <p:xfrm>
+          <a:off x="609600" y="1600200"/>
+          <a:ext cx="7809865" cy="2933700"/>
+        </p:xfrm>
+        <a:graphic>
+          <a:graphicData uri="http://schemas.openxmlformats.org/drawingml/2006/table">
+            <a:tbl>
+              <a:tblPr firstRow="true">
+                <a:tableStyleId>{08FB837D-C827-4EFA-A057-4D05807E0F7C}</a:tableStyleId>
+              </a:tblPr>
+              <a:tblGrid>
+                <a:gridCol w="3251200"/>
+                <a:gridCol w="1511300"/>
+                <a:gridCol w="1511300"/>
+                <a:gridCol w="1511300"/>
+              </a:tblGrid>
+              <a:tr h="332740">
+                <a:tc>
+                  <a:txBody>
+                    <a:bodyPr/>
+                    <a:p>
+                      <a:pPr indent="0">
+                        <a:buNone/>
+                      </a:pPr>
+                      <a:endParaRPr lang="en-US" altLang="en-US"/>
+                    </a:p>
+                  </a:txBody>
+                  <a:tcPr marL="12700" marR="12700" marT="12700" vert="horz" anchor="ctr" anchorCtr="false"/>
+                </a:tc>
+                <a:tc>
+                  <a:txBody>
+                    <a:bodyPr/>
+                    <a:p>
+                      <a:pPr indent="0">
+                        <a:buNone/>
+                      </a:pPr>
+                      <a:r>
+                        <a:rPr lang="en-US"/>
+                        <a:t>nums&gt;10</a:t>
+                      </a:r>
+                      <a:endParaRPr lang="en-US" altLang="en-US"/>
+                    </a:p>
+                  </a:txBody>
+                  <a:tcPr marL="12700" marR="12700" marT="12700" vert="horz" anchor="ctr" anchorCtr="false"/>
+                </a:tc>
+                <a:tc>
+                  <a:txBody>
+                    <a:bodyPr/>
+                    <a:p>
+                      <a:pPr indent="0">
+                        <a:buNone/>
+                      </a:pPr>
+                      <a:r>
+                        <a:rPr lang="en-US"/>
+                        <a:t>nums&gt;50</a:t>
+                      </a:r>
+                      <a:endParaRPr lang="en-US" altLang="en-US"/>
+                    </a:p>
+                  </a:txBody>
+                  <a:tcPr marL="12700" marR="12700" marT="12700" vert="horz" anchor="ctr" anchorCtr="false"/>
+                </a:tc>
+                <a:tc>
+                  <a:txBody>
+                    <a:bodyPr/>
+                    <a:p>
+                      <a:pPr indent="0">
+                        <a:buNone/>
+                      </a:pPr>
+                      <a:r>
+                        <a:rPr lang="en-US"/>
+                        <a:t>nums&gt;100</a:t>
+                      </a:r>
+                      <a:endParaRPr lang="en-US" altLang="en-US"/>
+                    </a:p>
+                  </a:txBody>
+                  <a:tcPr marL="12700" marR="12700" marT="12700" vert="horz" anchor="ctr" anchorCtr="false"/>
+                </a:tc>
+              </a:tr>
+              <a:tr h="266700">
+                <a:tc>
+                  <a:txBody>
+                    <a:bodyPr/>
+                    <a:p>
+                      <a:pPr indent="0">
+                        <a:buNone/>
+                      </a:pPr>
+                      <a:endParaRPr lang="en-US" altLang="en-US"/>
+                    </a:p>
+                  </a:txBody>
+                  <a:tcPr marL="12700" marR="12700" marT="12700" vert="horz" anchor="ctr" anchorCtr="false"/>
+                </a:tc>
+                <a:tc gridSpan="3">
+                  <a:txBody>
+                    <a:bodyPr/>
+                    <a:p>
+                      <a:pPr indent="0" algn="ctr">
+                        <a:buNone/>
+                      </a:pPr>
+                      <a:r>
+                        <a:rPr lang="en-US"/>
+                        <a:t>MLP</a:t>
+                      </a:r>
+                      <a:endParaRPr lang="en-US" altLang="en-US"/>
+                    </a:p>
+                  </a:txBody>
+                  <a:tcPr marL="12700" marR="12700" marT="12700" vert="horz" anchor="ctr" anchorCtr="false"/>
+                </a:tc>
+                <a:tc hMerge="true">
+                  <a:tcPr/>
+                </a:tc>
+                <a:tc hMerge="true">
+                  <a:tcPr/>
+                </a:tc>
+              </a:tr>
+              <a:tr h="266700">
+                <a:tc>
+                  <a:txBody>
+                    <a:bodyPr/>
+                    <a:p>
+                      <a:pPr indent="0">
+                        <a:buNone/>
+                      </a:pPr>
+                      <a:r>
+                        <a:rPr lang="en-US"/>
+                        <a:t>Train Accuracy(Original)</a:t>
+                      </a:r>
+                      <a:endParaRPr lang="en-US" altLang="en-US"/>
+                    </a:p>
+                  </a:txBody>
+                  <a:tcPr marL="12700" marR="12700" marT="12700" vert="horz" anchor="ctr" anchorCtr="false"/>
+                </a:tc>
+                <a:tc>
+                  <a:txBody>
+                    <a:bodyPr/>
+                    <a:p>
+                      <a:pPr indent="0">
+                        <a:buNone/>
+                      </a:pPr>
+                      <a:r>
+                        <a:rPr lang="en-US"/>
+                        <a:t>0.996774194</a:t>
+                      </a:r>
+                      <a:endParaRPr lang="en-US" altLang="en-US"/>
+                    </a:p>
+                  </a:txBody>
+                  <a:tcPr marL="12700" marR="12700" marT="12700" vert="horz" anchor="ctr" anchorCtr="false"/>
+                </a:tc>
+                <a:tc>
+                  <a:txBody>
+                    <a:bodyPr/>
+                    <a:p>
+                      <a:pPr indent="0">
+                        <a:buNone/>
+                      </a:pPr>
+                      <a:r>
+                        <a:rPr lang="en-US"/>
+                        <a:t>0.996013667</a:t>
+                      </a:r>
+                      <a:endParaRPr lang="en-US" altLang="en-US"/>
+                    </a:p>
+                  </a:txBody>
+                  <a:tcPr marL="12700" marR="12700" marT="12700" vert="horz" anchor="ctr" anchorCtr="false"/>
+                </a:tc>
+                <a:tc>
+                  <a:txBody>
+                    <a:bodyPr/>
+                    <a:p>
+                      <a:pPr indent="0">
+                        <a:buNone/>
+                      </a:pPr>
+                      <a:r>
+                        <a:rPr lang="en-US"/>
+                        <a:t>0.995283019</a:t>
+                      </a:r>
+                      <a:endParaRPr lang="en-US" altLang="en-US"/>
+                    </a:p>
+                  </a:txBody>
+                  <a:tcPr marL="12700" marR="12700" marT="12700" vert="horz" anchor="ctr" anchorCtr="false"/>
+                </a:tc>
+              </a:tr>
+              <a:tr h="266700">
+                <a:tc>
+                  <a:txBody>
+                    <a:bodyPr/>
+                    <a:p>
+                      <a:pPr indent="0">
+                        <a:buNone/>
+                      </a:pPr>
+                      <a:r>
+                        <a:rPr lang="en-US"/>
+                        <a:t>Train Accuracy(Week)</a:t>
+                      </a:r>
+                      <a:endParaRPr lang="en-US" altLang="en-US"/>
+                    </a:p>
+                  </a:txBody>
+                  <a:tcPr marL="12700" marR="12700" marT="12700" vert="horz" anchor="ctr" anchorCtr="false"/>
+                </a:tc>
+                <a:tc>
+                  <a:txBody>
+                    <a:bodyPr/>
+                    <a:p>
+                      <a:pPr indent="0">
+                        <a:buNone/>
+                      </a:pPr>
+                      <a:r>
+                        <a:rPr lang="en-US"/>
+                        <a:t>0.998790323</a:t>
+                      </a:r>
+                      <a:endParaRPr lang="en-US" altLang="en-US"/>
+                    </a:p>
+                  </a:txBody>
+                  <a:tcPr marL="12700" marR="12700" marT="12700" vert="horz" anchor="ctr" anchorCtr="false"/>
+                </a:tc>
+                <a:tc>
+                  <a:txBody>
+                    <a:bodyPr/>
+                    <a:p>
+                      <a:pPr indent="0">
+                        <a:buNone/>
+                      </a:pPr>
+                      <a:r>
+                        <a:rPr lang="en-US"/>
+                        <a:t>1</a:t>
+                      </a:r>
+                      <a:endParaRPr lang="en-US" altLang="en-US"/>
+                    </a:p>
+                  </a:txBody>
+                  <a:tcPr marL="12700" marR="12700" marT="12700" vert="horz" anchor="ctr" anchorCtr="false"/>
+                </a:tc>
+                <a:tc>
+                  <a:txBody>
+                    <a:bodyPr/>
+                    <a:p>
+                      <a:pPr indent="0">
+                        <a:buNone/>
+                      </a:pPr>
+                      <a:r>
+                        <a:rPr lang="en-US"/>
+                        <a:t>1</a:t>
+                      </a:r>
+                      <a:endParaRPr lang="en-US" altLang="en-US"/>
+                    </a:p>
+                  </a:txBody>
+                  <a:tcPr marL="12700" marR="12700" marT="12700" vert="horz" anchor="ctr" anchorCtr="false"/>
+                </a:tc>
+              </a:tr>
+              <a:tr h="266700">
+                <a:tc>
+                  <a:txBody>
+                    <a:bodyPr/>
+                    <a:p>
+                      <a:pPr indent="0">
+                        <a:buNone/>
+                      </a:pPr>
+                      <a:r>
+                        <a:rPr lang="en-US"/>
+                        <a:t>Valid Accuracy(Original)</a:t>
+                      </a:r>
+                      <a:endParaRPr lang="en-US" altLang="en-US"/>
+                    </a:p>
+                  </a:txBody>
+                  <a:tcPr marL="12700" marR="12700" marT="12700" vert="horz" anchor="ctr" anchorCtr="false"/>
+                </a:tc>
+                <a:tc>
+                  <a:txBody>
+                    <a:bodyPr/>
+                    <a:p>
+                      <a:pPr indent="0">
+                        <a:buNone/>
+                      </a:pPr>
+                      <a:r>
+                        <a:rPr lang="en-US"/>
+                        <a:t>0.933814681</a:t>
+                      </a:r>
+                      <a:endParaRPr lang="en-US" altLang="en-US"/>
+                    </a:p>
+                  </a:txBody>
+                  <a:tcPr marL="12700" marR="12700" marT="12700" vert="horz" anchor="ctr" anchorCtr="false"/>
+                </a:tc>
+                <a:tc>
+                  <a:txBody>
+                    <a:bodyPr/>
+                    <a:p>
+                      <a:pPr indent="0">
+                        <a:buNone/>
+                      </a:pPr>
+                      <a:r>
+                        <a:rPr lang="en-US"/>
+                        <a:t>0.971039182</a:t>
+                      </a:r>
+                      <a:endParaRPr lang="en-US" altLang="en-US"/>
+                    </a:p>
+                  </a:txBody>
+                  <a:tcPr marL="12700" marR="12700" marT="12700" vert="horz" anchor="ctr" anchorCtr="false"/>
+                </a:tc>
+                <a:tc>
+                  <a:txBody>
+                    <a:bodyPr/>
+                    <a:p>
+                      <a:pPr indent="0">
+                        <a:buNone/>
+                      </a:pPr>
+                      <a:r>
+                        <a:rPr lang="en-US"/>
+                        <a:t>0.982332155</a:t>
+                      </a:r>
+                      <a:endParaRPr lang="en-US" altLang="en-US"/>
+                    </a:p>
+                  </a:txBody>
+                  <a:tcPr marL="12700" marR="12700" marT="12700" vert="horz" anchor="ctr" anchorCtr="false"/>
+                </a:tc>
+              </a:tr>
+              <a:tr h="266700">
+                <a:tc>
+                  <a:txBody>
+                    <a:bodyPr/>
+                    <a:p>
+                      <a:pPr indent="0">
+                        <a:buNone/>
+                      </a:pPr>
+                      <a:r>
+                        <a:rPr lang="en-US"/>
+                        <a:t>Valid Accuracy(Week)</a:t>
+                      </a:r>
+                      <a:endParaRPr lang="en-US" altLang="en-US"/>
+                    </a:p>
+                  </a:txBody>
+                  <a:tcPr marL="12700" marR="12700" marT="12700" vert="horz" anchor="ctr" anchorCtr="false"/>
+                </a:tc>
+                <a:tc>
+                  <a:txBody>
+                    <a:bodyPr/>
+                    <a:p>
+                      <a:pPr indent="0">
+                        <a:buNone/>
+                      </a:pPr>
+                      <a:r>
+                        <a:rPr lang="en-US"/>
+                        <a:t>0.959085439</a:t>
+                      </a:r>
+                      <a:endParaRPr lang="en-US" altLang="en-US"/>
+                    </a:p>
+                  </a:txBody>
+                  <a:tcPr marL="12700" marR="12700" marT="12700" vert="horz" anchor="ctr" anchorCtr="false"/>
+                </a:tc>
+                <a:tc>
+                  <a:txBody>
+                    <a:bodyPr/>
+                    <a:p>
+                      <a:pPr indent="0">
+                        <a:buNone/>
+                      </a:pPr>
+                      <a:r>
+                        <a:rPr lang="en-US"/>
+                        <a:t>0.989761092</a:t>
+                      </a:r>
+                      <a:endParaRPr lang="en-US" altLang="en-US"/>
+                    </a:p>
+                  </a:txBody>
+                  <a:tcPr marL="12700" marR="12700" marT="12700" vert="horz" anchor="ctr" anchorCtr="false"/>
+                </a:tc>
+                <a:tc>
+                  <a:txBody>
+                    <a:bodyPr/>
+                    <a:p>
+                      <a:pPr indent="0">
+                        <a:buNone/>
+                      </a:pPr>
+                      <a:r>
+                        <a:rPr lang="en-US"/>
+                        <a:t>0.989399293</a:t>
+                      </a:r>
+                      <a:endParaRPr lang="en-US" altLang="en-US"/>
+                    </a:p>
+                  </a:txBody>
+                  <a:tcPr marL="12700" marR="12700" marT="12700" vert="horz" anchor="ctr" anchorCtr="false"/>
+                </a:tc>
+              </a:tr>
+              <a:tr h="266700">
+                <a:tc>
+                  <a:txBody>
+                    <a:bodyPr/>
+                    <a:p>
+                      <a:pPr indent="0">
+                        <a:buNone/>
+                      </a:pPr>
+                      <a:endParaRPr lang="en-US" altLang="en-US"/>
+                    </a:p>
+                  </a:txBody>
+                  <a:tcPr marL="12700" marR="12700" marT="12700" vert="horz" anchor="ctr" anchorCtr="false"/>
+                </a:tc>
+                <a:tc gridSpan="3">
+                  <a:txBody>
+                    <a:bodyPr/>
+                    <a:p>
+                      <a:pPr indent="0" algn="ctr">
+                        <a:buNone/>
+                      </a:pPr>
+                      <a:r>
+                        <a:rPr lang="en-US"/>
+                        <a:t>LSTM</a:t>
+                      </a:r>
+                      <a:endParaRPr lang="en-US" altLang="en-US"/>
+                    </a:p>
+                  </a:txBody>
+                  <a:tcPr marL="12700" marR="12700" marT="12700" vert="horz" anchor="ctr" anchorCtr="false"/>
+                </a:tc>
+                <a:tc hMerge="true">
+                  <a:tcPr/>
+                </a:tc>
+                <a:tc hMerge="true">
+                  <a:tcPr/>
+                </a:tc>
+              </a:tr>
+              <a:tr h="266700">
+                <a:tc>
+                  <a:txBody>
+                    <a:bodyPr/>
+                    <a:p>
+                      <a:pPr indent="0">
+                        <a:buNone/>
+                      </a:pPr>
+                      <a:r>
+                        <a:rPr lang="en-US"/>
+                        <a:t>Train Accuracy(Original)</a:t>
+                      </a:r>
+                      <a:endParaRPr lang="en-US" altLang="en-US"/>
+                    </a:p>
+                  </a:txBody>
+                  <a:tcPr marL="12700" marR="12700" marT="12700" vert="horz" anchor="ctr" anchorCtr="false"/>
+                </a:tc>
+                <a:tc>
+                  <a:txBody>
+                    <a:bodyPr/>
+                    <a:p>
+                      <a:pPr indent="0">
+                        <a:buNone/>
+                      </a:pPr>
+                      <a:r>
+                        <a:rPr lang="en-US"/>
+                        <a:t>0.991935484</a:t>
+                      </a:r>
+                      <a:endParaRPr lang="en-US" altLang="en-US"/>
+                    </a:p>
+                  </a:txBody>
+                  <a:tcPr marL="12700" marR="12700" marT="12700" vert="horz" anchor="ctr" anchorCtr="false"/>
+                </a:tc>
+                <a:tc>
+                  <a:txBody>
+                    <a:bodyPr/>
+                    <a:p>
+                      <a:pPr indent="0">
+                        <a:buNone/>
+                      </a:pPr>
+                      <a:r>
+                        <a:rPr lang="en-US"/>
+                        <a:t>1</a:t>
+                      </a:r>
+                      <a:endParaRPr lang="en-US" altLang="en-US"/>
+                    </a:p>
+                  </a:txBody>
+                  <a:tcPr marL="12700" marR="12700" marT="12700" vert="horz" anchor="ctr" anchorCtr="false"/>
+                </a:tc>
+                <a:tc>
+                  <a:txBody>
+                    <a:bodyPr/>
+                    <a:p>
+                      <a:pPr indent="0">
+                        <a:buNone/>
+                      </a:pPr>
+                      <a:r>
+                        <a:rPr lang="en-US"/>
+                        <a:t>1</a:t>
+                      </a:r>
+                      <a:endParaRPr lang="en-US" altLang="en-US"/>
+                    </a:p>
+                  </a:txBody>
+                  <a:tcPr marL="12700" marR="12700" marT="12700" vert="horz" anchor="ctr" anchorCtr="false"/>
+                </a:tc>
+              </a:tr>
+              <a:tr h="266700">
+                <a:tc>
+                  <a:txBody>
+                    <a:bodyPr/>
+                    <a:p>
+                      <a:pPr indent="0">
+                        <a:buNone/>
+                      </a:pPr>
+                      <a:r>
+                        <a:rPr lang="en-US"/>
+                        <a:t>Train Accuracy(Week)</a:t>
+                      </a:r>
+                      <a:endParaRPr lang="en-US" altLang="en-US"/>
+                    </a:p>
+                  </a:txBody>
+                  <a:tcPr marL="12700" marR="12700" marT="12700" vert="horz" anchor="ctr" anchorCtr="false"/>
+                </a:tc>
+                <a:tc>
+                  <a:txBody>
+                    <a:bodyPr/>
+                    <a:p>
+                      <a:pPr indent="0">
+                        <a:buNone/>
+                      </a:pPr>
+                      <a:r>
+                        <a:rPr lang="en-US"/>
+                        <a:t>1</a:t>
+                      </a:r>
+                      <a:endParaRPr lang="en-US" altLang="en-US"/>
+                    </a:p>
+                  </a:txBody>
+                  <a:tcPr marL="12700" marR="12700" marT="12700" vert="horz" anchor="ctr" anchorCtr="false"/>
+                </a:tc>
+                <a:tc>
+                  <a:txBody>
+                    <a:bodyPr/>
+                    <a:p>
+                      <a:pPr indent="0">
+                        <a:buNone/>
+                      </a:pPr>
+                      <a:r>
+                        <a:rPr lang="en-US"/>
+                        <a:t>1</a:t>
+                      </a:r>
+                      <a:endParaRPr lang="en-US" altLang="en-US"/>
+                    </a:p>
+                  </a:txBody>
+                  <a:tcPr marL="12700" marR="12700" marT="12700" vert="horz" anchor="ctr" anchorCtr="false"/>
+                </a:tc>
+                <a:tc>
+                  <a:txBody>
+                    <a:bodyPr/>
+                    <a:p>
+                      <a:pPr indent="0">
+                        <a:buNone/>
+                      </a:pPr>
+                      <a:r>
+                        <a:rPr lang="en-US"/>
+                        <a:t>1</a:t>
+                      </a:r>
+                      <a:endParaRPr lang="en-US" altLang="en-US"/>
+                    </a:p>
+                  </a:txBody>
+                  <a:tcPr marL="12700" marR="12700" marT="12700" vert="horz" anchor="ctr" anchorCtr="false"/>
+                </a:tc>
+              </a:tr>
+              <a:tr h="266700">
+                <a:tc>
+                  <a:txBody>
+                    <a:bodyPr/>
+                    <a:p>
+                      <a:pPr indent="0">
+                        <a:buNone/>
+                      </a:pPr>
+                      <a:r>
+                        <a:rPr lang="en-US"/>
+                        <a:t>Valid Accuracy(Original)</a:t>
+                      </a:r>
+                      <a:endParaRPr lang="en-US" altLang="en-US"/>
+                    </a:p>
+                  </a:txBody>
+                  <a:tcPr marL="12700" marR="12700" marT="12700" vert="horz" anchor="ctr" anchorCtr="false"/>
+                </a:tc>
+                <a:tc>
+                  <a:txBody>
+                    <a:bodyPr/>
+                    <a:p>
+                      <a:pPr indent="0">
+                        <a:buNone/>
+                      </a:pPr>
+                      <a:r>
+                        <a:rPr lang="en-US"/>
+                        <a:t>0.924187726</a:t>
+                      </a:r>
+                      <a:endParaRPr lang="en-US" altLang="en-US"/>
+                    </a:p>
+                  </a:txBody>
+                  <a:tcPr marL="12700" marR="12700" marT="12700" vert="horz" anchor="ctr" anchorCtr="false"/>
+                </a:tc>
+                <a:tc>
+                  <a:txBody>
+                    <a:bodyPr/>
+                    <a:p>
+                      <a:pPr indent="0">
+                        <a:buNone/>
+                      </a:pPr>
+                      <a:r>
+                        <a:rPr lang="en-US"/>
+                        <a:t>0.98637138</a:t>
+                      </a:r>
+                      <a:endParaRPr lang="en-US" altLang="en-US"/>
+                    </a:p>
+                  </a:txBody>
+                  <a:tcPr marL="12700" marR="12700" marT="12700" vert="horz" anchor="ctr" anchorCtr="false"/>
+                </a:tc>
+                <a:tc>
+                  <a:txBody>
+                    <a:bodyPr/>
+                    <a:p>
+                      <a:pPr indent="0">
+                        <a:buNone/>
+                      </a:pPr>
+                      <a:r>
+                        <a:rPr lang="en-US"/>
+                        <a:t>0.987632509</a:t>
+                      </a:r>
+                      <a:endParaRPr lang="en-US" altLang="en-US"/>
+                    </a:p>
+                  </a:txBody>
+                  <a:tcPr marL="12700" marR="12700" marT="12700" vert="horz" anchor="ctr" anchorCtr="false"/>
+                </a:tc>
+              </a:tr>
+              <a:tr h="266700">
+                <a:tc>
+                  <a:txBody>
+                    <a:bodyPr/>
+                    <a:p>
+                      <a:pPr indent="0">
+                        <a:buNone/>
+                      </a:pPr>
+                      <a:r>
+                        <a:rPr lang="en-US"/>
+                        <a:t>Valid Accuracy(Week)</a:t>
+                      </a:r>
+                      <a:endParaRPr lang="en-US" altLang="en-US"/>
+                    </a:p>
+                  </a:txBody>
+                  <a:tcPr marL="12700" marR="12700" marT="12700" vert="horz" anchor="ctr" anchorCtr="false"/>
+                </a:tc>
+                <a:tc>
+                  <a:txBody>
+                    <a:bodyPr/>
+                    <a:p>
+                      <a:pPr indent="0">
+                        <a:buNone/>
+                      </a:pPr>
+                      <a:r>
+                        <a:rPr lang="en-US"/>
+                        <a:t>0.959085439</a:t>
+                      </a:r>
+                      <a:endParaRPr lang="en-US" altLang="en-US"/>
+                    </a:p>
+                  </a:txBody>
+                  <a:tcPr marL="12700" marR="12700" marT="12700" vert="horz" anchor="ctr" anchorCtr="false"/>
+                </a:tc>
+                <a:tc>
+                  <a:txBody>
+                    <a:bodyPr/>
+                    <a:p>
+                      <a:pPr indent="0">
+                        <a:buNone/>
+                      </a:pPr>
+                      <a:r>
+                        <a:rPr lang="en-US"/>
+                        <a:t>0.991467577</a:t>
+                      </a:r>
+                      <a:endParaRPr lang="en-US" altLang="en-US"/>
+                    </a:p>
+                  </a:txBody>
+                  <a:tcPr marL="12700" marR="12700" marT="12700" vert="horz" anchor="ctr" anchorCtr="false"/>
+                </a:tc>
+                <a:tc>
+                  <a:txBody>
+                    <a:bodyPr/>
+                    <a:p>
+                      <a:pPr indent="0">
+                        <a:buNone/>
+                      </a:pPr>
+                      <a:r>
+                        <a:rPr lang="en-US"/>
+                        <a:t>0.989399293</a:t>
+                      </a:r>
+                      <a:endParaRPr lang="en-US" altLang="en-US"/>
+                    </a:p>
+                  </a:txBody>
+                  <a:tcPr marL="12700" marR="12700" marT="12700" vert="horz" anchor="ctr" anchorCtr="false"/>
+                </a:tc>
+              </a:tr>
+            </a:tbl>
+          </a:graphicData>
+        </a:graphic>
+      </p:graphicFrame>
     </p:spTree>
   </p:cSld>
   <p:clrMapOvr>

--- a/SARS-CoV-2.pptx
+++ b/SARS-CoV-2.pptx
@@ -5,10 +5,10 @@
     <p:sldMasterId id="2147483648" r:id="rId1"/>
   </p:sldMasterIdLst>
   <p:notesMasterIdLst>
-    <p:notesMasterId r:id="rId10"/>
+    <p:notesMasterId r:id="rId11"/>
   </p:notesMasterIdLst>
   <p:handoutMasterIdLst>
-    <p:handoutMasterId r:id="rId11"/>
+    <p:handoutMasterId r:id="rId12"/>
   </p:handoutMasterIdLst>
   <p:sldIdLst>
     <p:sldId id="864" r:id="rId3"/>
@@ -18,6 +18,7 @@
     <p:sldId id="865" r:id="rId7"/>
     <p:sldId id="863" r:id="rId8"/>
     <p:sldId id="873" r:id="rId9"/>
+    <p:sldId id="874" r:id="rId10"/>
   </p:sldIdLst>
   <p:sldSz cx="12192000" cy="6858000"/>
   <p:notesSz cx="7103745" cy="10234295"/>
@@ -128,6 +129,7 @@
             <p14:sldId id="865"/>
             <p14:sldId id="863"/>
             <p14:sldId id="873"/>
+            <p14:sldId id="874"/>
           </p14:sldIdLst>
         </p14:section>
       </p14:sectionLst>
@@ -18312,6 +18314,23 @@
 <file path=ppt/slides/slide7.xml><?xml version="1.0" encoding="utf-8"?>
 <p:sld xmlns:a="http://schemas.openxmlformats.org/drawingml/2006/main" xmlns:r="http://schemas.openxmlformats.org/officeDocument/2006/relationships" xmlns:p="http://schemas.openxmlformats.org/presentationml/2006/main">
   <p:cSld>
+    <p:bg>
+      <p:bgPr>
+        <a:gradFill rotWithShape="false">
+          <a:gsLst>
+            <a:gs pos="0">
+              <a:schemeClr val="folHlink"/>
+            </a:gs>
+            <a:gs pos="100000">
+              <a:schemeClr val="bg1"/>
+            </a:gs>
+          </a:gsLst>
+          <a:lin ang="5400000" scaled="true"/>
+          <a:tileRect/>
+        </a:gradFill>
+        <a:effectLst/>
+      </p:bgPr>
+    </p:bg>
     <p:spTree>
       <p:nvGrpSpPr>
         <p:cNvPr id="1" name=""/>
@@ -18368,7 +18387,7 @@
         </p:nvGraphicFramePr>
         <p:xfrm>
           <a:off x="609600" y="1600200"/>
-          <a:ext cx="7809865" cy="2933700"/>
+          <a:ext cx="7809865" cy="2999740"/>
         </p:xfrm>
         <a:graphic>
           <a:graphicData uri="http://schemas.openxmlformats.org/drawingml/2006/table">
@@ -19039,6 +19058,481 @@
                         <a:t>0.989399293</a:t>
                       </a:r>
                       <a:endParaRPr lang="en-US" altLang="en-US"/>
+                    </a:p>
+                  </a:txBody>
+                  <a:tcPr marL="12700" marR="12700" marT="12700" vert="horz" anchor="ctr" anchorCtr="false"/>
+                </a:tc>
+              </a:tr>
+            </a:tbl>
+          </a:graphicData>
+        </a:graphic>
+      </p:graphicFrame>
+    </p:spTree>
+  </p:cSld>
+  <p:clrMapOvr>
+    <a:overrideClrMapping bg1="dk2" tx1="lt1" bg2="dk1" tx2="lt2" accent1="accent1" accent2="accent2" accent3="accent3" accent4="accent4" accent5="accent5" accent6="accent6" hlink="hlink" folHlink="folHlink"/>
+  </p:clrMapOvr>
+</p:sld>
+</file>
+
+<file path=ppt/slides/slide8.xml><?xml version="1.0" encoding="utf-8"?>
+<p:sld xmlns:a="http://schemas.openxmlformats.org/drawingml/2006/main" xmlns:r="http://schemas.openxmlformats.org/officeDocument/2006/relationships" xmlns:p="http://schemas.openxmlformats.org/presentationml/2006/main">
+  <p:cSld>
+    <p:spTree>
+      <p:nvGrpSpPr>
+        <p:cNvPr id="1" name=""/>
+        <p:cNvGrpSpPr/>
+        <p:nvPr/>
+      </p:nvGrpSpPr>
+      <p:grpSpPr/>
+      <p:sp>
+        <p:nvSpPr>
+          <p:cNvPr id="2" name="標題 1"/>
+          <p:cNvSpPr>
+            <a:spLocks noGrp="true"/>
+          </p:cNvSpPr>
+          <p:nvPr>
+            <p:ph type="title"/>
+          </p:nvPr>
+        </p:nvSpPr>
+        <p:spPr/>
+        <p:txBody>
+          <a:bodyPr/>
+          <a:p>
+            <a:endParaRPr lang="zh-TW" altLang="en-US"/>
+          </a:p>
+        </p:txBody>
+      </p:sp>
+      <p:sp>
+        <p:nvSpPr>
+          <p:cNvPr id="3" name="內容版面配置區 2"/>
+          <p:cNvSpPr>
+            <a:spLocks noGrp="true"/>
+          </p:cNvSpPr>
+          <p:nvPr>
+            <p:ph idx="1"/>
+          </p:nvPr>
+        </p:nvSpPr>
+        <p:spPr/>
+        <p:txBody>
+          <a:bodyPr/>
+          <a:p>
+            <a:endParaRPr lang="zh-TW" altLang="en-US"/>
+          </a:p>
+        </p:txBody>
+      </p:sp>
+      <p:graphicFrame>
+        <p:nvGraphicFramePr>
+          <p:cNvPr id="4" name="圓桌 3"/>
+          <p:cNvGraphicFramePr/>
+          <p:nvPr/>
+        </p:nvGraphicFramePr>
+        <p:xfrm>
+          <a:off x="313055" y="1600200"/>
+          <a:ext cx="11269345" cy="1876425"/>
+        </p:xfrm>
+        <a:graphic>
+          <a:graphicData uri="http://schemas.openxmlformats.org/drawingml/2006/table">
+            <a:tbl>
+              <a:tblPr firstRow="true">
+                <a:tableStyleId>{775DCB02-9BB8-47FD-8907-85C794F793BA}</a:tableStyleId>
+              </a:tblPr>
+              <a:tblGrid>
+                <a:gridCol w="2548890"/>
+                <a:gridCol w="1467485"/>
+                <a:gridCol w="1223010"/>
+                <a:gridCol w="1668780"/>
+                <a:gridCol w="1346200"/>
+                <a:gridCol w="1669415"/>
+                <a:gridCol w="1345565"/>
+              </a:tblGrid>
+              <a:tr h="332740">
+                <a:tc>
+                  <a:txBody>
+                    <a:bodyPr/>
+                    <a:p>
+                      <a:pPr indent="0" algn="ctr">
+                        <a:buNone/>
+                      </a:pPr>
+                      <a:endParaRPr lang="en-US" altLang="en-US" sz="1800"/>
+                    </a:p>
+                  </a:txBody>
+                  <a:tcPr marL="12700" marR="12700" marT="12700" vert="horz" anchor="ctr" anchorCtr="false"/>
+                </a:tc>
+                <a:tc gridSpan="2">
+                  <a:txBody>
+                    <a:bodyPr/>
+                    <a:p>
+                      <a:pPr indent="0" algn="ctr">
+                        <a:buNone/>
+                      </a:pPr>
+                      <a:r>
+                        <a:rPr lang="en-US" sz="1800"/>
+                        <a:t>nums&gt;10</a:t>
+                      </a:r>
+                      <a:endParaRPr lang="en-US" altLang="en-US" sz="1800"/>
+                    </a:p>
+                  </a:txBody>
+                  <a:tcPr marL="12700" marR="12700" marT="12700" vert="horz" anchor="ctr" anchorCtr="false"/>
+                </a:tc>
+                <a:tc hMerge="true">
+                  <a:tcPr/>
+                </a:tc>
+                <a:tc gridSpan="2">
+                  <a:txBody>
+                    <a:bodyPr/>
+                    <a:p>
+                      <a:pPr indent="0" algn="ctr">
+                        <a:buNone/>
+                      </a:pPr>
+                      <a:r>
+                        <a:rPr lang="en-US" sz="1800"/>
+                        <a:t>nums&gt;50</a:t>
+                      </a:r>
+                      <a:endParaRPr lang="en-US" altLang="en-US" sz="1800"/>
+                    </a:p>
+                  </a:txBody>
+                  <a:tcPr marL="12700" marR="12700" marT="12700" vert="horz" anchor="ctr" anchorCtr="false"/>
+                </a:tc>
+                <a:tc hMerge="true">
+                  <a:tcPr/>
+                </a:tc>
+                <a:tc gridSpan="2">
+                  <a:txBody>
+                    <a:bodyPr/>
+                    <a:p>
+                      <a:pPr indent="0" algn="ctr">
+                        <a:buNone/>
+                      </a:pPr>
+                      <a:r>
+                        <a:rPr lang="en-US" sz="1800"/>
+                        <a:t>nums&gt;100</a:t>
+                      </a:r>
+                      <a:endParaRPr lang="en-US" altLang="en-US" sz="1800"/>
+                    </a:p>
+                  </a:txBody>
+                  <a:tcPr marL="12700" marR="12700" marT="12700" vert="horz" anchor="ctr" anchorCtr="false"/>
+                </a:tc>
+                <a:tc hMerge="true">
+                  <a:tcPr/>
+                </a:tc>
+              </a:tr>
+              <a:tr h="332740">
+                <a:tc>
+                  <a:txBody>
+                    <a:bodyPr/>
+                    <a:p>
+                      <a:pPr indent="0" algn="ctr">
+                        <a:buNone/>
+                      </a:pPr>
+                      <a:endParaRPr lang="en-US" altLang="en-US" sz="1800"/>
+                    </a:p>
+                  </a:txBody>
+                  <a:tcPr marL="12700" marR="12700" marT="12700" vert="horz" anchor="ctr" anchorCtr="false"/>
+                </a:tc>
+                <a:tc gridSpan="6">
+                  <a:txBody>
+                    <a:bodyPr/>
+                    <a:p>
+                      <a:pPr indent="0" algn="ctr">
+                        <a:buNone/>
+                      </a:pPr>
+                      <a:r>
+                        <a:rPr lang="en-US" sz="1800"/>
+                        <a:t>K - fold (LSTM)</a:t>
+                      </a:r>
+                      <a:endParaRPr lang="en-US" altLang="en-US" sz="1800"/>
+                    </a:p>
+                  </a:txBody>
+                  <a:tcPr marL="12700" marR="12700" marT="12700" vert="horz" anchor="ctr" anchorCtr="false"/>
+                </a:tc>
+                <a:tc hMerge="true">
+                  <a:tcPr/>
+                </a:tc>
+                <a:tc hMerge="true">
+                  <a:tcPr/>
+                </a:tc>
+                <a:tc hMerge="true">
+                  <a:tcPr/>
+                </a:tc>
+                <a:tc hMerge="true">
+                  <a:tcPr/>
+                </a:tc>
+                <a:tc hMerge="true">
+                  <a:tcPr/>
+                </a:tc>
+              </a:tr>
+              <a:tr h="603885">
+                <a:tc>
+                  <a:txBody>
+                    <a:bodyPr/>
+                    <a:p>
+                      <a:pPr indent="0" algn="ctr">
+                        <a:buNone/>
+                      </a:pPr>
+                      <a:r>
+                        <a:rPr lang="en-US" sz="1800"/>
+                        <a:t>Train Accuracy(Week)</a:t>
+                      </a:r>
+                      <a:endParaRPr lang="en-US" altLang="en-US" sz="1800"/>
+                    </a:p>
+                  </a:txBody>
+                  <a:tcPr marL="12700" marR="12700" marT="12700" vert="horz" anchor="ctr" anchorCtr="false"/>
+                </a:tc>
+                <a:tc>
+                  <a:txBody>
+                    <a:bodyPr/>
+                    <a:p>
+                      <a:pPr indent="0" algn="ctr">
+                        <a:buNone/>
+                      </a:pPr>
+                      <a:r>
+                        <a:rPr lang="en-US" sz="1800" b="0">
+                          <a:solidFill>
+                            <a:srgbClr val="000000"/>
+                          </a:solidFill>
+                          <a:latin typeface="+mj-lt"/>
+                          <a:cs typeface="+mj-lt"/>
+                        </a:rPr>
+                        <a:t>0.998 - 1.000</a:t>
+                      </a:r>
+                      <a:endParaRPr lang="en-US" altLang="en-US" sz="1800" b="0">
+                        <a:solidFill>
+                          <a:srgbClr val="000000"/>
+                        </a:solidFill>
+                        <a:latin typeface="+mj-lt"/>
+                        <a:cs typeface="+mj-lt"/>
+                      </a:endParaRPr>
+                    </a:p>
+                  </a:txBody>
+                  <a:tcPr marL="12700" marR="12700" marT="12700" vert="horz" anchor="ctr" anchorCtr="false"/>
+                </a:tc>
+                <a:tc>
+                  <a:txBody>
+                    <a:bodyPr/>
+                    <a:p>
+                      <a:pPr indent="0" algn="ctr">
+                        <a:buNone/>
+                      </a:pPr>
+                      <a:r>
+                        <a:rPr lang="en-US" sz="1800" b="0">
+                          <a:solidFill>
+                            <a:srgbClr val="000000"/>
+                          </a:solidFill>
+                          <a:latin typeface="+mj-lt"/>
+                          <a:cs typeface="+mj-lt"/>
+                        </a:rPr>
+                        <a:t>0.999</a:t>
+                      </a:r>
+                      <a:endParaRPr lang="en-US" altLang="en-US" sz="1800" b="0">
+                        <a:solidFill>
+                          <a:srgbClr val="000000"/>
+                        </a:solidFill>
+                        <a:latin typeface="+mj-lt"/>
+                        <a:cs typeface="+mj-lt"/>
+                      </a:endParaRPr>
+                    </a:p>
+                  </a:txBody>
+                  <a:tcPr marL="12700" marR="12700" marT="12700" vert="horz" anchor="ctr" anchorCtr="false"/>
+                </a:tc>
+                <a:tc>
+                  <a:txBody>
+                    <a:bodyPr/>
+                    <a:p>
+                      <a:pPr indent="0" algn="ctr">
+                        <a:buNone/>
+                      </a:pPr>
+                      <a:r>
+                        <a:rPr lang="en-US" sz="1800"/>
+                        <a:t>1.000 - 1.000</a:t>
+                      </a:r>
+                      <a:endParaRPr lang="en-US" altLang="en-US" sz="1800"/>
+                    </a:p>
+                  </a:txBody>
+                  <a:tcPr marL="12700" marR="12700" marT="12700" vert="horz" anchor="ctr" anchorCtr="false"/>
+                </a:tc>
+                <a:tc>
+                  <a:txBody>
+                    <a:bodyPr/>
+                    <a:p>
+                      <a:pPr indent="0" algn="ctr">
+                        <a:buNone/>
+                      </a:pPr>
+                      <a:r>
+                        <a:rPr lang="en-US" sz="1800"/>
+                        <a:t>1.000 </a:t>
+                      </a:r>
+                      <a:endParaRPr lang="en-US" altLang="en-US" sz="1800"/>
+                    </a:p>
+                  </a:txBody>
+                  <a:tcPr marL="12700" marR="12700" marT="12700" vert="horz" anchor="ctr" anchorCtr="false"/>
+                </a:tc>
+                <a:tc>
+                  <a:txBody>
+                    <a:bodyPr/>
+                    <a:p>
+                      <a:pPr indent="0" algn="ctr">
+                        <a:buNone/>
+                      </a:pPr>
+                      <a:r>
+                        <a:rPr lang="en-US" sz="1800"/>
+                        <a:t>1.000 - 1.000</a:t>
+                      </a:r>
+                      <a:endParaRPr lang="en-US" altLang="en-US" sz="1800"/>
+                    </a:p>
+                  </a:txBody>
+                  <a:tcPr marL="12700" marR="12700" marT="12700" vert="horz" anchor="ctr" anchorCtr="false"/>
+                </a:tc>
+                <a:tc>
+                  <a:txBody>
+                    <a:bodyPr/>
+                    <a:p>
+                      <a:pPr indent="0" algn="ctr">
+                        <a:buNone/>
+                      </a:pPr>
+                      <a:r>
+                        <a:rPr lang="en-US" sz="1800"/>
+                        <a:t>1.000 </a:t>
+                      </a:r>
+                      <a:endParaRPr lang="en-US" altLang="en-US" sz="1800"/>
+                    </a:p>
+                  </a:txBody>
+                  <a:tcPr marL="12700" marR="12700" marT="12700" vert="horz" anchor="ctr" anchorCtr="false"/>
+                </a:tc>
+              </a:tr>
+              <a:tr h="607060">
+                <a:tc>
+                  <a:txBody>
+                    <a:bodyPr/>
+                    <a:p>
+                      <a:pPr indent="0" algn="ctr">
+                        <a:buNone/>
+                      </a:pPr>
+                      <a:r>
+                        <a:rPr lang="en-US" sz="1800"/>
+                        <a:t>Valid Accuracy(Week)</a:t>
+                      </a:r>
+                      <a:endParaRPr lang="en-US" altLang="en-US" sz="1800"/>
+                    </a:p>
+                  </a:txBody>
+                  <a:tcPr marL="12700" marR="12700" marT="12700" vert="horz" anchor="ctr" anchorCtr="false"/>
+                </a:tc>
+                <a:tc>
+                  <a:txBody>
+                    <a:bodyPr/>
+                    <a:p>
+                      <a:pPr indent="0" algn="ctr">
+                        <a:buNone/>
+                      </a:pPr>
+                      <a:r>
+                        <a:rPr lang="en-US" sz="1800" b="0">
+                          <a:solidFill>
+                            <a:srgbClr val="000000"/>
+                          </a:solidFill>
+                          <a:latin typeface="+mj-lt"/>
+                          <a:cs typeface="+mj-lt"/>
+                        </a:rPr>
+                        <a:t>0.954 - 0.962</a:t>
+                      </a:r>
+                      <a:endParaRPr lang="en-US" altLang="en-US" sz="1800" b="0">
+                        <a:solidFill>
+                          <a:srgbClr val="000000"/>
+                        </a:solidFill>
+                        <a:latin typeface="+mj-lt"/>
+                        <a:cs typeface="+mj-lt"/>
+                      </a:endParaRPr>
+                    </a:p>
+                  </a:txBody>
+                  <a:tcPr marL="12700" marR="12700" marT="12700" vert="horz" anchor="ctr" anchorCtr="false"/>
+                </a:tc>
+                <a:tc>
+                  <a:txBody>
+                    <a:bodyPr/>
+                    <a:p>
+                      <a:pPr indent="0" algn="ctr">
+                        <a:buNone/>
+                      </a:pPr>
+                      <a:r>
+                        <a:rPr lang="en-US" sz="1800" b="0">
+                          <a:solidFill>
+                            <a:srgbClr val="000000"/>
+                          </a:solidFill>
+                          <a:latin typeface="+mj-lt"/>
+                          <a:cs typeface="+mj-lt"/>
+                        </a:rPr>
+                        <a:t>0.960</a:t>
+                      </a:r>
+                      <a:endParaRPr lang="en-US" altLang="en-US" sz="1800" b="0">
+                        <a:solidFill>
+                          <a:srgbClr val="000000"/>
+                        </a:solidFill>
+                        <a:latin typeface="+mj-lt"/>
+                        <a:cs typeface="+mj-lt"/>
+                      </a:endParaRPr>
+                    </a:p>
+                  </a:txBody>
+                  <a:tcPr marL="12700" marR="12700" marT="12700" vert="horz" anchor="ctr" anchorCtr="false"/>
+                </a:tc>
+                <a:tc>
+                  <a:txBody>
+                    <a:bodyPr/>
+                    <a:p>
+                      <a:pPr indent="0" algn="ctr">
+                        <a:buNone/>
+                      </a:pPr>
+                      <a:r>
+                        <a:rPr lang="en-US" sz="1800"/>
+                        <a:t>0.980 - 0.993</a:t>
+                      </a:r>
+                      <a:endParaRPr lang="en-US" altLang="en-US" sz="1800"/>
+                    </a:p>
+                  </a:txBody>
+                  <a:tcPr marL="12700" marR="12700" marT="12700" vert="horz" anchor="ctr" anchorCtr="false"/>
+                </a:tc>
+                <a:tc>
+                  <a:txBody>
+                    <a:bodyPr/>
+                    <a:p>
+                      <a:pPr indent="0" algn="ctr">
+                        <a:buNone/>
+                      </a:pPr>
+                      <a:r>
+                        <a:rPr lang="en-US" sz="1800"/>
+                        <a:t>0.988</a:t>
+                      </a:r>
+                      <a:endParaRPr lang="en-US" altLang="en-US" sz="1800"/>
+                    </a:p>
+                  </a:txBody>
+                  <a:tcPr marL="12700" marR="12700" marT="12700" vert="horz" anchor="ctr" anchorCtr="false"/>
+                </a:tc>
+                <a:tc>
+                  <a:txBody>
+                    <a:bodyPr/>
+                    <a:p>
+                      <a:pPr indent="0" algn="ctr">
+                        <a:buNone/>
+                      </a:pPr>
+                      <a:r>
+                        <a:rPr lang="en-US" sz="1800"/>
+                        <a:t>0.984 - 0.995</a:t>
+                      </a:r>
+                      <a:endParaRPr lang="en-US" altLang="en-US" sz="1800"/>
+                    </a:p>
+                  </a:txBody>
+                  <a:tcPr marL="12700" marR="12700" marT="12700" vert="horz" anchor="ctr" anchorCtr="false"/>
+                </a:tc>
+                <a:tc>
+                  <a:txBody>
+                    <a:bodyPr/>
+                    <a:p>
+                      <a:pPr indent="0" algn="ctr">
+                        <a:buNone/>
+                      </a:pPr>
+                      <a:r>
+                        <a:rPr lang="en-US" sz="1800"/>
+                        <a:t>0.990</a:t>
+                      </a:r>
+                      <a:endParaRPr lang="en-US" altLang="en-US" sz="1800"/>
                     </a:p>
                   </a:txBody>
                   <a:tcPr marL="12700" marR="12700" marT="12700" vert="horz" anchor="ctr" anchorCtr="false"/>
@@ -20397,4 +20891,47 @@
     </a:ext>
   </a:extLst>
 </a:theme>
+</file>
+
+<file path=ppt/theme/themeOverride1.xml><?xml version="1.0" encoding="utf-8"?>
+<a:themeOverride xmlns:a="http://schemas.openxmlformats.org/drawingml/2006/main">
+  <a:clrScheme name="Grayscale">
+    <a:dk1>
+      <a:sysClr val="windowText" lastClr="000000"/>
+    </a:dk1>
+    <a:lt1>
+      <a:sysClr val="window" lastClr="FFFFFF"/>
+    </a:lt1>
+    <a:dk2>
+      <a:srgbClr val="000000"/>
+    </a:dk2>
+    <a:lt2>
+      <a:srgbClr val="F8F8F8"/>
+    </a:lt2>
+    <a:accent1>
+      <a:srgbClr val="DDDDDD"/>
+    </a:accent1>
+    <a:accent2>
+      <a:srgbClr val="B2B2B2"/>
+    </a:accent2>
+    <a:accent3>
+      <a:srgbClr val="969696"/>
+    </a:accent3>
+    <a:accent4>
+      <a:srgbClr val="808080"/>
+    </a:accent4>
+    <a:accent5>
+      <a:srgbClr val="5F5F5F"/>
+    </a:accent5>
+    <a:accent6>
+      <a:srgbClr val="4D4D4D"/>
+    </a:accent6>
+    <a:hlink>
+      <a:srgbClr val="5F5F5F"/>
+    </a:hlink>
+    <a:folHlink>
+      <a:srgbClr val="919191"/>
+    </a:folHlink>
+  </a:clrScheme>
+</a:themeOverride>
 </file>